--- a/TLSv1.3/SSL、TLSv1.x协议.pptx
+++ b/TLSv1.3/SSL、TLSv1.x协议.pptx
@@ -3880,7 +3880,7 @@
         </p:blipFill>
         <p:spPr>
           <a:xfrm>
-            <a:off x="1381468" y="2052465"/>
+            <a:off x="1586495" y="1532770"/>
             <a:ext cx="9019009" cy="4124497"/>
           </a:xfrm>
         </p:spPr>
